--- a/Presentation/PyQT Barley-Break.pptx
+++ b/Presentation/PyQT Barley-Break.pptx
@@ -213,7 +213,7 @@
           <a:effectLst/>
           <a:extLst>
             <a:ext uri="{91240B29-F687-4f45-9708-019B960494DF}">
-              <a14:hiddenLine xmlns:a14="http://schemas.microsoft.com/office/drawing/2010/main" xmlns="" w="9525">
+              <a14:hiddenLine xmlns="" xmlns:a14="http://schemas.microsoft.com/office/drawing/2010/main" w="9525">
                 <a:solidFill>
                   <a:srgbClr val="000000"/>
                 </a:solidFill>
@@ -406,7 +406,7 @@
             <a:fld id="{08B9EBBA-996F-894A-B54A-D6246ED52CEA}" type="datetimeFigureOut">
               <a:rPr lang="en-US" smtClean="0"/>
               <a:pPr/>
-              <a:t>11/17/2022</a:t>
+              <a:t>11/18/2022</a:t>
             </a:fld>
             <a:endParaRPr lang="en-US" dirty="0"/>
           </a:p>
@@ -726,7 +726,7 @@
             <a:fld id="{18C79C5D-2A6F-F04D-97DA-BEF2467B64E4}" type="datetimeFigureOut">
               <a:rPr lang="en-US" smtClean="0"/>
               <a:pPr/>
-              <a:t>11/17/2022</a:t>
+              <a:t>11/18/2022</a:t>
             </a:fld>
             <a:endParaRPr lang="en-US" dirty="0"/>
           </a:p>
@@ -1216,7 +1216,7 @@
             <a:fld id="{8DFA1846-DA80-1C48-A609-854EA85C59AD}" type="datetimeFigureOut">
               <a:rPr lang="en-US" smtClean="0"/>
               <a:pPr/>
-              <a:t>11/17/2022</a:t>
+              <a:t>11/18/2022</a:t>
             </a:fld>
             <a:endParaRPr lang="en-US" dirty="0"/>
           </a:p>
@@ -1587,7 +1587,7 @@
             <a:fld id="{FBF54567-0DE4-3F47-BF90-CB84690072F9}" type="datetimeFigureOut">
               <a:rPr lang="en-US" smtClean="0"/>
               <a:pPr/>
-              <a:t>11/17/2022</a:t>
+              <a:t>11/18/2022</a:t>
             </a:fld>
             <a:endParaRPr lang="en-US" dirty="0"/>
           </a:p>
@@ -1743,7 +1743,7 @@
           <a:ln/>
           <a:extLst>
             <a:ext uri="{91240B29-F687-4f45-9708-019B960494DF}">
-              <a14:hiddenLine xmlns:a14="http://schemas.microsoft.com/office/drawing/2010/main" xmlns="" w="9525">
+              <a14:hiddenLine xmlns="" xmlns:a14="http://schemas.microsoft.com/office/drawing/2010/main" w="9525">
                 <a:solidFill>
                   <a:srgbClr val="000000"/>
                 </a:solidFill>
@@ -1862,7 +1862,7 @@
             <a:fld id="{C6C52C72-DE31-F449-A4ED-4C594FD91407}" type="datetimeFigureOut">
               <a:rPr lang="en-US" smtClean="0"/>
               <a:pPr/>
-              <a:t>11/17/2022</a:t>
+              <a:t>11/18/2022</a:t>
             </a:fld>
             <a:endParaRPr lang="en-US" dirty="0"/>
           </a:p>
@@ -2020,7 +2020,7 @@
           <a:ln/>
           <a:extLst>
             <a:ext uri="{91240B29-F687-4f45-9708-019B960494DF}">
-              <a14:hiddenLine xmlns:a14="http://schemas.microsoft.com/office/drawing/2010/main" xmlns="" w="9525">
+              <a14:hiddenLine xmlns="" xmlns:a14="http://schemas.microsoft.com/office/drawing/2010/main" w="9525">
                 <a:solidFill>
                   <a:srgbClr val="000000"/>
                 </a:solidFill>
@@ -2149,7 +2149,7 @@
             <a:fld id="{ED62726E-379B-B349-9EED-81ED093FA806}" type="datetimeFigureOut">
               <a:rPr lang="en-US" smtClean="0"/>
               <a:pPr/>
-              <a:t>11/17/2022</a:t>
+              <a:t>11/18/2022</a:t>
             </a:fld>
             <a:endParaRPr lang="en-US" dirty="0"/>
           </a:p>
@@ -2305,7 +2305,7 @@
           <a:ln/>
           <a:extLst>
             <a:ext uri="{91240B29-F687-4f45-9708-019B960494DF}">
-              <a14:hiddenLine xmlns:a14="http://schemas.microsoft.com/office/drawing/2010/main" xmlns="" w="9525">
+              <a14:hiddenLine xmlns="" xmlns:a14="http://schemas.microsoft.com/office/drawing/2010/main" w="9525">
                 <a:solidFill>
                   <a:srgbClr val="000000"/>
                 </a:solidFill>
@@ -2434,7 +2434,7 @@
             <a:fld id="{9B3A1323-8D79-1946-B0D7-40001CF92E9D}" type="datetimeFigureOut">
               <a:rPr lang="en-US" smtClean="0"/>
               <a:pPr/>
-              <a:t>11/17/2022</a:t>
+              <a:t>11/18/2022</a:t>
             </a:fld>
             <a:endParaRPr lang="en-US" dirty="0"/>
           </a:p>
@@ -2779,7 +2779,7 @@
             <a:fld id="{8DFA1846-DA80-1C48-A609-854EA85C59AD}" type="datetimeFigureOut">
               <a:rPr lang="en-US" smtClean="0"/>
               <a:pPr/>
-              <a:t>11/17/2022</a:t>
+              <a:t>11/18/2022</a:t>
             </a:fld>
             <a:endParaRPr lang="en-US" dirty="0"/>
           </a:p>
@@ -2935,7 +2935,7 @@
           <a:ln/>
           <a:extLst>
             <a:ext uri="{91240B29-F687-4f45-9708-019B960494DF}">
-              <a14:hiddenLine xmlns:a14="http://schemas.microsoft.com/office/drawing/2010/main" xmlns="" w="9525">
+              <a14:hiddenLine xmlns="" xmlns:a14="http://schemas.microsoft.com/office/drawing/2010/main" w="9525">
                 <a:solidFill>
                   <a:srgbClr val="000000"/>
                 </a:solidFill>
@@ -3120,7 +3120,7 @@
             <a:fld id="{57302355-E14B-8545-A8F8-0FE83CC9D524}" type="datetimeFigureOut">
               <a:rPr lang="en-US" smtClean="0"/>
               <a:pPr/>
-              <a:t>11/17/2022</a:t>
+              <a:t>11/18/2022</a:t>
             </a:fld>
             <a:endParaRPr lang="en-US" dirty="0"/>
           </a:p>
@@ -3276,7 +3276,7 @@
           <a:ln/>
           <a:extLst>
             <a:ext uri="{91240B29-F687-4f45-9708-019B960494DF}">
-              <a14:hiddenLine xmlns:a14="http://schemas.microsoft.com/office/drawing/2010/main" xmlns="" w="9525">
+              <a14:hiddenLine xmlns="" xmlns:a14="http://schemas.microsoft.com/office/drawing/2010/main" w="9525">
                 <a:solidFill>
                   <a:srgbClr val="000000"/>
                 </a:solidFill>
@@ -3599,7 +3599,7 @@
             <a:fld id="{02640F58-564D-2B4F-AE67-E407BA4FCF45}" type="datetimeFigureOut">
               <a:rPr lang="en-US" smtClean="0"/>
               <a:pPr/>
-              <a:t>11/17/2022</a:t>
+              <a:t>11/18/2022</a:t>
             </a:fld>
             <a:endParaRPr lang="en-US" dirty="0"/>
           </a:p>
@@ -3755,7 +3755,7 @@
           <a:ln/>
           <a:extLst>
             <a:ext uri="{91240B29-F687-4f45-9708-019B960494DF}">
-              <a14:hiddenLine xmlns:a14="http://schemas.microsoft.com/office/drawing/2010/main" xmlns="" w="9525">
+              <a14:hiddenLine xmlns="" xmlns:a14="http://schemas.microsoft.com/office/drawing/2010/main" w="9525">
                 <a:solidFill>
                   <a:srgbClr val="000000"/>
                 </a:solidFill>
@@ -3822,7 +3822,7 @@
             <a:fld id="{F13A34C8-038E-2045-AF43-DF7DBB8E0E9E}" type="datetimeFigureOut">
               <a:rPr lang="en-US" smtClean="0"/>
               <a:pPr/>
-              <a:t>11/17/2022</a:t>
+              <a:t>11/18/2022</a:t>
             </a:fld>
             <a:endParaRPr lang="en-US" dirty="0"/>
           </a:p>
@@ -3919,7 +3919,7 @@
             <a:fld id="{8818C68F-D26B-8F47-958C-23B49CF8A634}" type="datetimeFigureOut">
               <a:rPr lang="en-US" smtClean="0"/>
               <a:pPr/>
-              <a:t>11/17/2022</a:t>
+              <a:t>11/18/2022</a:t>
             </a:fld>
             <a:endParaRPr lang="en-US" dirty="0"/>
           </a:p>
@@ -4188,7 +4188,7 @@
           <a:ln/>
           <a:extLst>
             <a:ext uri="{91240B29-F687-4f45-9708-019B960494DF}">
-              <a14:hiddenLine xmlns:a14="http://schemas.microsoft.com/office/drawing/2010/main" xmlns="" w="9525">
+              <a14:hiddenLine xmlns="" xmlns:a14="http://schemas.microsoft.com/office/drawing/2010/main" w="9525">
                 <a:solidFill>
                   <a:srgbClr val="000000"/>
                 </a:solidFill>
@@ -4388,7 +4388,7 @@
             <a:fld id="{D0DF5E60-9974-AC48-9591-99C2BB44B7CF}" type="datetimeFigureOut">
               <a:rPr lang="en-US" smtClean="0"/>
               <a:pPr/>
-              <a:t>11/17/2022</a:t>
+              <a:t>11/18/2022</a:t>
             </a:fld>
             <a:endParaRPr lang="en-US" dirty="0"/>
           </a:p>
@@ -4703,7 +4703,7 @@
             <a:fld id="{18C79C5D-2A6F-F04D-97DA-BEF2467B64E4}" type="datetimeFigureOut">
               <a:rPr lang="en-US" smtClean="0"/>
               <a:pPr/>
-              <a:t>11/17/2022</a:t>
+              <a:t>11/18/2022</a:t>
             </a:fld>
             <a:endParaRPr lang="en-US" dirty="0"/>
           </a:p>
@@ -4975,7 +4975,7 @@
             <a:fld id="{09B482E8-6E0E-1B4F-B1FD-C69DB9E858D9}" type="datetimeFigureOut">
               <a:rPr lang="en-US" smtClean="0"/>
               <a:pPr/>
-              <a:t>11/17/2022</a:t>
+              <a:t>11/18/2022</a:t>
             </a:fld>
             <a:endParaRPr lang="en-US" dirty="0"/>
           </a:p>
@@ -5722,26 +5722,23 @@
               <a:buNone/>
             </a:pPr>
             <a:r>
+              <a:rPr lang="ru-RU" dirty="0"/>
+              <a:t>Пятнашки — </a:t>
+            </a:r>
+            <a:r>
               <a:rPr lang="ru-RU" dirty="0" smtClean="0"/>
-              <a:t>Пятнашки — </a:t>
-            </a:r>
-            <a:r>
-              <a:rPr lang="ru-RU" dirty="0"/>
-              <a:t>популярная головоломка, придуманная в 1878 году Ноем </a:t>
-            </a:r>
-            <a:r>
-              <a:rPr lang="ru-RU" dirty="0" err="1" smtClean="0"/>
-              <a:t>Чепмэном</a:t>
-            </a:r>
+              <a:t>это популярная головоломка </a:t>
+            </a:r>
+            <a:endParaRPr lang="en-US" dirty="0" smtClean="0"/>
+          </a:p>
+          <a:p>
+            <a:pPr marL="0" indent="0">
+              <a:buNone/>
+            </a:pPr>
             <a:r>
               <a:rPr lang="ru-RU" dirty="0" smtClean="0"/>
-              <a:t>, в</a:t>
-            </a:r>
-            <a:r>
-              <a:rPr lang="ru-RU" dirty="0"/>
-              <a:t> которой по квадратной доске 4×4 можно передвигать 15 занумеро­ван­ных квадратных костяшек (одна клетка при этом остается пустой); цель играющего — из произвольной начальной расстановки костяшек собрать упорядоченную по номерам (иногда это невозможно в принципе) </a:t>
-            </a:r>
-            <a:endParaRPr lang="en-US" dirty="0" smtClean="0"/>
+              <a:t>Готовый проект представляет собой данные пятнашки в цифровом формате, с некоторыми дополнениями! </a:t>
+            </a:r>
           </a:p>
           <a:p>
             <a:pPr marL="0" indent="0">
@@ -5749,28 +5746,11 @@
             </a:pPr>
             <a:r>
               <a:rPr lang="ru-RU" dirty="0" smtClean="0"/>
-              <a:t>Готовый проект представляет собой данные пятнашки в цифровом формате, </a:t>
+              <a:t>Побеждайте</a:t>
             </a:r>
             <a:r>
               <a:rPr lang="ru-RU" dirty="0" smtClean="0"/>
-              <a:t>с некоторыми дополнениями</a:t>
-            </a:r>
-            <a:r>
-              <a:rPr lang="ru-RU" dirty="0" smtClean="0"/>
-              <a:t>! </a:t>
-            </a:r>
-          </a:p>
-          <a:p>
-            <a:pPr marL="0" indent="0">
-              <a:buNone/>
-            </a:pPr>
-            <a:r>
-              <a:rPr lang="ru-RU" dirty="0" smtClean="0"/>
-              <a:t>Побеждайте! Ставьте новые рекорды! </a:t>
-            </a:r>
-            <a:r>
-              <a:rPr lang="ru-RU" dirty="0" smtClean="0"/>
-              <a:t>Сравнивайте результаты с друзьями!</a:t>
+              <a:t>! Ставьте новые рекорды! Сравнивайте результаты с друзьями!</a:t>
             </a:r>
             <a:endParaRPr lang="en-US" dirty="0" smtClean="0"/>
           </a:p>
@@ -6102,8 +6082,8 @@
         </p:nvSpPr>
         <p:spPr>
           <a:xfrm>
-            <a:off x="-114300" y="-104775"/>
-            <a:ext cx="12868275" cy="2647950"/>
+            <a:off x="1" y="-1"/>
+            <a:ext cx="12192000" cy="2543175"/>
           </a:xfrm>
           <a:prstGeom prst="rect">
             <a:avLst/>
@@ -6366,12 +6346,14 @@
         </p:nvSpPr>
         <p:spPr>
           <a:xfrm>
-            <a:off x="810000" y="2119745"/>
-            <a:ext cx="7128255" cy="4287694"/>
+            <a:off x="452554" y="2967643"/>
+            <a:ext cx="7128255" cy="3506298"/>
           </a:xfrm>
         </p:spPr>
         <p:txBody>
-          <a:bodyPr/>
+          <a:bodyPr>
+            <a:normAutofit fontScale="92500" lnSpcReduction="20000"/>
+          </a:bodyPr>
           <a:lstStyle/>
           <a:p>
             <a:pPr marL="0" indent="0">
@@ -6379,7 +6361,11 @@
             </a:pPr>
             <a:r>
               <a:rPr lang="ru-RU" dirty="0" smtClean="0"/>
-              <a:t>Аналогичные проекты, причем не только </a:t>
+              <a:t>Аналогичные, </a:t>
+            </a:r>
+            <a:r>
+              <a:rPr lang="ru-RU" dirty="0" smtClean="0"/>
+              <a:t>причем не только </a:t>
             </a:r>
             <a:r>
               <a:rPr lang="en-US" dirty="0" smtClean="0"/>
@@ -6390,14 +6376,18 @@
               <a:t>sourse</a:t>
             </a:r>
             <a:r>
-              <a:rPr lang="ru-RU" dirty="0" smtClean="0"/>
-              <a:t>,</a:t>
-            </a:r>
-            <a:r>
               <a:rPr lang="en-US" dirty="0" smtClean="0"/>
               <a:t> </a:t>
             </a:r>
             <a:r>
+              <a:rPr lang="ru-RU" dirty="0"/>
+              <a:t>проекты,</a:t>
+            </a:r>
+            <a:r>
+              <a:rPr lang="en-US" dirty="0" smtClean="0"/>
+              <a:t> </a:t>
+            </a:r>
+            <a:r>
               <a:rPr lang="ru-RU" dirty="0" smtClean="0"/>
               <a:t>не предлагают настолько широкий функционал.</a:t>
             </a:r>
@@ -6451,13 +6441,22 @@
               <a:rPr lang="en-US" b="1" dirty="0" smtClean="0"/>
               <a:t>:</a:t>
             </a:r>
-            <a:endParaRPr lang="ru-RU" b="1" dirty="0" smtClean="0"/>
+            <a:endParaRPr lang="ru-RU" dirty="0" smtClean="0"/>
           </a:p>
           <a:p>
             <a:r>
               <a:rPr lang="ru-RU" dirty="0" smtClean="0"/>
               <a:t>Дизайн</a:t>
             </a:r>
+          </a:p>
+          <a:p>
+            <a:r>
+              <a:rPr lang="ru-RU" dirty="0" smtClean="0"/>
+              <a:t>Проблема сбора пятнашек с повторяющимися плитами</a:t>
+            </a:r>
+            <a:endParaRPr lang="ru-RU" dirty="0"/>
+          </a:p>
+          <a:p>
             <a:endParaRPr lang="en-US" dirty="0" smtClean="0"/>
           </a:p>
           <a:p>
@@ -6563,7 +6562,7 @@
         <p:spPr>
           <a:xfrm>
             <a:off x="656706" y="2901141"/>
-            <a:ext cx="6068291" cy="2585323"/>
+            <a:ext cx="6068291" cy="3139321"/>
           </a:xfrm>
           <a:prstGeom prst="rect">
             <a:avLst/>
@@ -6592,8 +6591,13 @@
             </a:pPr>
             <a:r>
               <a:rPr lang="ru-RU" dirty="0" smtClean="0"/>
-              <a:t>Доработка дизайн</a:t>
-            </a:r>
+              <a:t>Доработка </a:t>
+            </a:r>
+            <a:r>
+              <a:rPr lang="ru-RU" dirty="0" smtClean="0"/>
+              <a:t>дизайна</a:t>
+            </a:r>
+            <a:endParaRPr lang="ru-RU" dirty="0" smtClean="0"/>
           </a:p>
           <a:p>
             <a:pPr marL="285750" indent="-285750">
@@ -6620,8 +6624,33 @@
             </a:r>
             <a:r>
               <a:rPr lang="ru-RU" dirty="0" smtClean="0"/>
-              <a:t> возможности генерации изображения непосредственно внутри самого приложения</a:t>
-            </a:r>
+              <a:t> возможности генерации изображения непосредственно внутри самого </a:t>
+            </a:r>
+            <a:r>
+              <a:rPr lang="ru-RU" dirty="0" smtClean="0"/>
+              <a:t>приложения</a:t>
+            </a:r>
+          </a:p>
+          <a:p>
+            <a:pPr marL="285750" indent="-285750">
+              <a:buFont typeface="Arial" panose="020B0604020202020204" pitchFamily="34" charset="0"/>
+              <a:buChar char="•"/>
+            </a:pPr>
+            <a:r>
+              <a:rPr lang="ru-RU" dirty="0" smtClean="0"/>
+              <a:t>Добавление звука</a:t>
+            </a:r>
+          </a:p>
+          <a:p>
+            <a:pPr marL="285750" indent="-285750">
+              <a:buFont typeface="Arial" panose="020B0604020202020204" pitchFamily="34" charset="0"/>
+              <a:buChar char="•"/>
+            </a:pPr>
+            <a:r>
+              <a:rPr lang="ru-RU" dirty="0" smtClean="0"/>
+              <a:t>Добавление небольшой нумерации</a:t>
+            </a:r>
+            <a:endParaRPr lang="ru-RU" dirty="0" smtClean="0"/>
           </a:p>
           <a:p>
             <a:endParaRPr lang="ru-RU" dirty="0"/>
